--- a/ppt/第14章    其他内核的配置.pptx
+++ b/ppt/第14章    其他内核的配置.pptx
@@ -214,7 +214,7 @@
           <a:p>
             <a:fld id="{11E263B4-AE17-4D25-AB44-4A86CEB2FD03}" type="datetimeFigureOut">
               <a:rPr lang="zh-CN" altLang="en-US" smtClean="0"/>
-              <a:t>2021/5/7</a:t>
+              <a:t>2021/6/14</a:t>
             </a:fld>
             <a:endParaRPr lang="zh-CN" altLang="en-US"/>
           </a:p>
@@ -1238,7 +1238,7 @@
             </a:pPr>
             <a:fld id="{967F5653-76E0-42F8-92E1-1302A644EA98}" type="datetimeFigureOut">
               <a:rPr lang="zh-CN" altLang="en-US" smtClean="0"/>
-              <a:t>2021/5/7</a:t>
+              <a:t>2021/6/14</a:t>
             </a:fld>
             <a:endParaRPr lang="zh-CN" altLang="en-US"/>
           </a:p>
@@ -1417,7 +1417,7 @@
             </a:pPr>
             <a:fld id="{7E97CAC6-3487-4B84-A527-4B0978F38CB7}" type="datetimeFigureOut">
               <a:rPr lang="zh-CN" altLang="en-US" smtClean="0"/>
-              <a:t>2021/5/7</a:t>
+              <a:t>2021/6/14</a:t>
             </a:fld>
             <a:endParaRPr lang="zh-CN" altLang="en-US"/>
           </a:p>
@@ -1606,7 +1606,7 @@
             </a:pPr>
             <a:fld id="{DC2173D4-66F5-42F3-8EDD-E9FCBD78934D}" type="datetimeFigureOut">
               <a:rPr lang="zh-CN" altLang="en-US" smtClean="0"/>
-              <a:t>2021/5/7</a:t>
+              <a:t>2021/6/14</a:t>
             </a:fld>
             <a:endParaRPr lang="zh-CN" altLang="en-US"/>
           </a:p>
@@ -2334,7 +2334,7 @@
             </a:pPr>
             <a:fld id="{4854B13A-C25E-4BD4-A182-EF99CDEA6C38}" type="datetimeFigureOut">
               <a:rPr lang="zh-CN" altLang="en-US" smtClean="0"/>
-              <a:t>2021/5/7</a:t>
+              <a:t>2021/6/14</a:t>
             </a:fld>
             <a:endParaRPr lang="zh-CN" altLang="en-US"/>
           </a:p>
@@ -2589,7 +2589,7 @@
             </a:pPr>
             <a:fld id="{6F874B35-2CB5-478A-93D6-6F5A758111CC}" type="datetimeFigureOut">
               <a:rPr lang="zh-CN" altLang="en-US" smtClean="0"/>
-              <a:t>2021/5/7</a:t>
+              <a:t>2021/6/14</a:t>
             </a:fld>
             <a:endParaRPr lang="zh-CN" altLang="en-US"/>
           </a:p>
@@ -2830,7 +2830,7 @@
             </a:pPr>
             <a:fld id="{7765F18A-B9DB-4EC7-B8DD-93BAD9A9D6F4}" type="datetimeFigureOut">
               <a:rPr lang="zh-CN" altLang="en-US" smtClean="0"/>
-              <a:t>2021/5/7</a:t>
+              <a:t>2021/6/14</a:t>
             </a:fld>
             <a:endParaRPr lang="zh-CN" altLang="en-US"/>
           </a:p>
@@ -3206,7 +3206,7 @@
             </a:pPr>
             <a:fld id="{BDDAE942-DEDF-46C5-8F0D-85A73406F10B}" type="datetimeFigureOut">
               <a:rPr lang="zh-CN" altLang="en-US" smtClean="0"/>
-              <a:t>2021/5/7</a:t>
+              <a:t>2021/6/14</a:t>
             </a:fld>
             <a:endParaRPr lang="zh-CN" altLang="en-US"/>
           </a:p>
@@ -3333,7 +3333,7 @@
             </a:pPr>
             <a:fld id="{700EFE5F-2A43-4D9F-9B11-909316E3C1C9}" type="datetimeFigureOut">
               <a:rPr lang="zh-CN" altLang="en-US" smtClean="0"/>
-              <a:t>2021/5/7</a:t>
+              <a:t>2021/6/14</a:t>
             </a:fld>
             <a:endParaRPr lang="zh-CN" altLang="en-US"/>
           </a:p>
@@ -3437,7 +3437,7 @@
             </a:pPr>
             <a:fld id="{76D8482B-9714-4ADC-BDF6-AB1BEB5DA2D8}" type="datetimeFigureOut">
               <a:rPr lang="zh-CN" altLang="en-US" smtClean="0"/>
-              <a:t>2021/5/7</a:t>
+              <a:t>2021/6/14</a:t>
             </a:fld>
             <a:endParaRPr lang="zh-CN" altLang="en-US"/>
           </a:p>
@@ -3723,7 +3723,7 @@
             </a:pPr>
             <a:fld id="{8C921D7F-B211-4655-91B5-D6DC942F7F91}" type="datetimeFigureOut">
               <a:rPr lang="zh-CN" altLang="en-US" smtClean="0"/>
-              <a:t>2021/5/7</a:t>
+              <a:t>2021/6/14</a:t>
             </a:fld>
             <a:endParaRPr lang="zh-CN" altLang="en-US"/>
           </a:p>
@@ -3989,7 +3989,7 @@
             </a:pPr>
             <a:fld id="{8C7D0A83-28AD-47D5-961B-D3CDE6CF1ABC}" type="datetimeFigureOut">
               <a:rPr lang="zh-CN" altLang="en-US" smtClean="0"/>
-              <a:t>2021/5/7</a:t>
+              <a:t>2021/6/14</a:t>
             </a:fld>
             <a:endParaRPr lang="zh-CN" altLang="en-US"/>
           </a:p>
@@ -4211,7 +4211,7 @@
             </a:pPr>
             <a:fld id="{C5DA89F0-6659-4D88-AC57-367E293871F8}" type="datetimeFigureOut">
               <a:rPr lang="zh-CN" altLang="en-US" smtClean="0"/>
-              <a:t>2021/5/7</a:t>
+              <a:t>2021/6/14</a:t>
             </a:fld>
             <a:endParaRPr lang="zh-CN" altLang="en-US"/>
           </a:p>
@@ -6183,8 +6183,8 @@
         </p:nvSpPr>
         <p:spPr>
           <a:xfrm>
-            <a:off x="3891515" y="1913860"/>
-            <a:ext cx="16608057" cy="10097636"/>
+            <a:off x="2397211" y="1913860"/>
+            <a:ext cx="20363935" cy="11140229"/>
           </a:xfrm>
           <a:prstGeom prst="rect">
             <a:avLst/>
@@ -6231,7 +6231,7 @@
               </a:lnSpc>
             </a:pPr>
             <a:r>
-              <a:rPr lang="en-US" altLang="zh-CN" sz="2000" dirty="0">
+              <a:rPr lang="en-US" altLang="zh-CN" sz="2800" dirty="0">
                 <a:solidFill>
                   <a:srgbClr val="000000"/>
                 </a:solidFill>
@@ -6244,7 +6244,7 @@
               <a:t>$ </a:t>
             </a:r>
             <a:r>
-              <a:rPr lang="en-US" altLang="zh-CN" sz="2000" b="1" dirty="0" err="1">
+              <a:rPr lang="en-US" altLang="zh-CN" sz="2800" b="1" dirty="0" err="1">
                 <a:solidFill>
                   <a:srgbClr val="000000"/>
                 </a:solidFill>
@@ -6257,7 +6257,7 @@
               <a:t>wget</a:t>
             </a:r>
             <a:r>
-              <a:rPr lang="en-US" altLang="zh-CN" sz="2000" dirty="0">
+              <a:rPr lang="en-US" altLang="zh-CN" sz="2800" dirty="0">
                 <a:solidFill>
                   <a:srgbClr val="000000"/>
                 </a:solidFill>
@@ -6269,7 +6269,7 @@
               </a:rPr>
               <a:t> -c </a:t>
             </a:r>
-            <a:endParaRPr lang="zh-CN" altLang="zh-CN" sz="2000" dirty="0">
+            <a:endParaRPr lang="zh-CN" altLang="zh-CN" sz="2800" dirty="0">
               <a:highlight>
                 <a:srgbClr val="C0C0C0"/>
               </a:highlight>
@@ -6284,7 +6284,7 @@
               </a:lnSpc>
             </a:pPr>
             <a:r>
-              <a:rPr lang="en-US" altLang="zh-CN" sz="2000" dirty="0">
+              <a:rPr lang="en-US" altLang="zh-CN" sz="2800" dirty="0">
                 <a:solidFill>
                   <a:srgbClr val="000000"/>
                 </a:solidFill>
@@ -6297,7 +6297,7 @@
               <a:t>https://julialang-s3.julialang.org/bin/</a:t>
             </a:r>
             <a:r>
-              <a:rPr lang="en-US" altLang="zh-CN" sz="2000" dirty="0" err="1">
+              <a:rPr lang="en-US" altLang="zh-CN" sz="2800" dirty="0" err="1">
                 <a:solidFill>
                   <a:srgbClr val="000000"/>
                 </a:solidFill>
@@ -6310,7 +6310,7 @@
               <a:t>linux</a:t>
             </a:r>
             <a:r>
-              <a:rPr lang="en-US" altLang="zh-CN" sz="2000" dirty="0">
+              <a:rPr lang="en-US" altLang="zh-CN" sz="2800" dirty="0">
                 <a:solidFill>
                   <a:srgbClr val="000000"/>
                 </a:solidFill>
@@ -6322,7 +6322,7 @@
               </a:rPr>
               <a:t>/x64/1.5/julia-1.5.3-linux-x86_64.tar.gz</a:t>
             </a:r>
-            <a:endParaRPr lang="zh-CN" altLang="zh-CN" sz="2000" dirty="0">
+            <a:endParaRPr lang="zh-CN" altLang="zh-CN" sz="2800" dirty="0">
               <a:highlight>
                 <a:srgbClr val="C0C0C0"/>
               </a:highlight>
@@ -6337,7 +6337,7 @@
               </a:lnSpc>
             </a:pPr>
             <a:r>
-              <a:rPr lang="en-US" altLang="zh-CN" sz="900" dirty="0">
+              <a:rPr lang="en-US" altLang="zh-CN" sz="1050" dirty="0">
                 <a:highlight>
                   <a:srgbClr val="C0C0C0"/>
                 </a:highlight>
@@ -6346,7 +6346,7 @@
               </a:rPr>
               <a:t> </a:t>
             </a:r>
-            <a:endParaRPr lang="zh-CN" altLang="zh-CN" sz="900" dirty="0">
+            <a:endParaRPr lang="zh-CN" altLang="zh-CN" sz="1050" dirty="0">
               <a:highlight>
                 <a:srgbClr val="C0C0C0"/>
               </a:highlight>
@@ -6405,7 +6405,7 @@
               </a:lnSpc>
             </a:pPr>
             <a:r>
-              <a:rPr lang="en-US" altLang="zh-CN" sz="2000" dirty="0">
+              <a:rPr lang="en-US" altLang="zh-CN" sz="2800" dirty="0">
                 <a:solidFill>
                   <a:srgbClr val="000000"/>
                 </a:solidFill>
@@ -6418,7 +6418,7 @@
               <a:t>$ </a:t>
             </a:r>
             <a:r>
-              <a:rPr lang="en-US" altLang="zh-CN" sz="2000" b="1" dirty="0">
+              <a:rPr lang="en-US" altLang="zh-CN" sz="2800" b="1" dirty="0">
                 <a:solidFill>
                   <a:srgbClr val="000000"/>
                 </a:solidFill>
@@ -6431,7 +6431,7 @@
               <a:t>tar</a:t>
             </a:r>
             <a:r>
-              <a:rPr lang="en-US" altLang="zh-CN" sz="2000" dirty="0">
+              <a:rPr lang="en-US" altLang="zh-CN" sz="2800" dirty="0">
                 <a:solidFill>
                   <a:srgbClr val="000000"/>
                 </a:solidFill>
@@ -6444,7 +6444,7 @@
               <a:t> </a:t>
             </a:r>
             <a:r>
-              <a:rPr lang="en-US" altLang="zh-CN" sz="2000" dirty="0" err="1">
+              <a:rPr lang="en-US" altLang="zh-CN" sz="2800" dirty="0" err="1">
                 <a:solidFill>
                   <a:srgbClr val="000000"/>
                 </a:solidFill>
@@ -6457,7 +6457,7 @@
               <a:t>xzvf</a:t>
             </a:r>
             <a:r>
-              <a:rPr lang="en-US" altLang="zh-CN" sz="2000" dirty="0">
+              <a:rPr lang="en-US" altLang="zh-CN" sz="2800" dirty="0">
                 <a:solidFill>
                   <a:srgbClr val="000000"/>
                 </a:solidFill>
@@ -6469,7 +6469,7 @@
               </a:rPr>
               <a:t> julia-1.5.3-linux-x86_64.tar.gz</a:t>
             </a:r>
-            <a:endParaRPr lang="zh-CN" altLang="zh-CN" sz="2000" dirty="0">
+            <a:endParaRPr lang="zh-CN" altLang="zh-CN" sz="2800" dirty="0">
               <a:highlight>
                 <a:srgbClr val="C0C0C0"/>
               </a:highlight>
@@ -6598,7 +6598,7 @@
               </a:lnSpc>
             </a:pPr>
             <a:r>
-              <a:rPr lang="en-US" altLang="zh-CN" sz="2000" dirty="0">
+              <a:rPr lang="en-US" altLang="zh-CN" sz="2800" dirty="0">
                 <a:solidFill>
                   <a:srgbClr val="000000"/>
                 </a:solidFill>
@@ -6611,7 +6611,7 @@
               <a:t>$</a:t>
             </a:r>
             <a:r>
-              <a:rPr lang="en-US" altLang="zh-CN" sz="2000" b="1" dirty="0">
+              <a:rPr lang="en-US" altLang="zh-CN" sz="2800" b="1" dirty="0">
                 <a:solidFill>
                   <a:srgbClr val="000000"/>
                 </a:solidFill>
@@ -6624,7 +6624,7 @@
               <a:t> </a:t>
             </a:r>
             <a:r>
-              <a:rPr lang="en-US" altLang="zh-CN" sz="2000" b="1" dirty="0" err="1">
+              <a:rPr lang="en-US" altLang="zh-CN" sz="2800" b="1" dirty="0" err="1">
                 <a:solidFill>
                   <a:srgbClr val="000000"/>
                 </a:solidFill>
@@ -6637,7 +6637,7 @@
               <a:t>sudo</a:t>
             </a:r>
             <a:r>
-              <a:rPr lang="en-US" altLang="zh-CN" sz="2000" dirty="0">
+              <a:rPr lang="en-US" altLang="zh-CN" sz="2800" dirty="0">
                 <a:solidFill>
                   <a:srgbClr val="000000"/>
                 </a:solidFill>
@@ -6650,7 +6650,7 @@
               <a:t> </a:t>
             </a:r>
             <a:r>
-              <a:rPr lang="en-US" altLang="zh-CN" sz="2000" b="1" dirty="0">
+              <a:rPr lang="en-US" altLang="zh-CN" sz="2800" b="1" dirty="0">
                 <a:solidFill>
                   <a:srgbClr val="000000"/>
                 </a:solidFill>
@@ -6663,7 +6663,7 @@
               <a:t>cp</a:t>
             </a:r>
             <a:r>
-              <a:rPr lang="en-US" altLang="zh-CN" sz="2000" dirty="0">
+              <a:rPr lang="en-US" altLang="zh-CN" sz="2800" dirty="0">
                 <a:solidFill>
                   <a:srgbClr val="000000"/>
                 </a:solidFill>
@@ -6676,7 +6676,7 @@
               <a:t> -r julia-1.5.3 </a:t>
             </a:r>
             <a:r>
-              <a:rPr lang="en-US" altLang="zh-CN" sz="2000" b="1" dirty="0">
+              <a:rPr lang="en-US" altLang="zh-CN" sz="2800" b="1" dirty="0">
                 <a:solidFill>
                   <a:srgbClr val="000000"/>
                 </a:solidFill>
@@ -6689,7 +6689,7 @@
               <a:t>/</a:t>
             </a:r>
             <a:r>
-              <a:rPr lang="en-US" altLang="zh-CN" sz="2000" dirty="0">
+              <a:rPr lang="en-US" altLang="zh-CN" sz="2800" dirty="0">
                 <a:solidFill>
                   <a:srgbClr val="000000"/>
                 </a:solidFill>
@@ -6702,7 +6702,7 @@
               <a:t>opt</a:t>
             </a:r>
             <a:r>
-              <a:rPr lang="en-US" altLang="zh-CN" sz="2000" b="1" dirty="0">
+              <a:rPr lang="en-US" altLang="zh-CN" sz="2800" b="1" dirty="0">
                 <a:solidFill>
                   <a:srgbClr val="000000"/>
                 </a:solidFill>
@@ -6714,7 +6714,7 @@
               </a:rPr>
               <a:t>/</a:t>
             </a:r>
-            <a:endParaRPr lang="zh-CN" altLang="zh-CN" sz="2000" dirty="0">
+            <a:endParaRPr lang="zh-CN" altLang="zh-CN" sz="2800" dirty="0">
               <a:highlight>
                 <a:srgbClr val="C0C0C0"/>
               </a:highlight>
@@ -6813,7 +6813,7 @@
               </a:lnSpc>
             </a:pPr>
             <a:r>
-              <a:rPr lang="en-US" altLang="zh-CN" sz="2000" b="1" dirty="0">
+              <a:rPr lang="en-US" altLang="zh-CN" sz="2800" b="1" dirty="0">
                 <a:solidFill>
                   <a:srgbClr val="000000"/>
                 </a:solidFill>
@@ -6826,7 +6826,7 @@
               <a:t>$ </a:t>
             </a:r>
             <a:r>
-              <a:rPr lang="en-US" altLang="zh-CN" sz="2000" dirty="0" err="1">
+              <a:rPr lang="en-US" altLang="zh-CN" sz="2800" dirty="0" err="1">
                 <a:solidFill>
                   <a:srgbClr val="000000"/>
                 </a:solidFill>
@@ -6839,7 +6839,7 @@
               <a:t>sudo</a:t>
             </a:r>
             <a:r>
-              <a:rPr lang="en-US" altLang="zh-CN" sz="2000" dirty="0">
+              <a:rPr lang="en-US" altLang="zh-CN" sz="2800" dirty="0">
                 <a:solidFill>
                   <a:srgbClr val="000000"/>
                 </a:solidFill>
@@ -6852,7 +6852,7 @@
               <a:t> </a:t>
             </a:r>
             <a:r>
-              <a:rPr lang="en-US" altLang="zh-CN" sz="2000" b="1" dirty="0">
+              <a:rPr lang="en-US" altLang="zh-CN" sz="2800" b="1" dirty="0">
                 <a:solidFill>
                   <a:srgbClr val="000000"/>
                 </a:solidFill>
@@ -6865,7 +6865,7 @@
               <a:t>ln</a:t>
             </a:r>
             <a:r>
-              <a:rPr lang="en-US" altLang="zh-CN" sz="2000" dirty="0">
+              <a:rPr lang="en-US" altLang="zh-CN" sz="2800" dirty="0">
                 <a:solidFill>
                   <a:srgbClr val="000000"/>
                 </a:solidFill>
@@ -6878,7 +6878,7 @@
               <a:t> -s </a:t>
             </a:r>
             <a:r>
-              <a:rPr lang="en-US" altLang="zh-CN" sz="2000" b="1" dirty="0">
+              <a:rPr lang="en-US" altLang="zh-CN" sz="2800" b="1" dirty="0">
                 <a:solidFill>
                   <a:srgbClr val="000000"/>
                 </a:solidFill>
@@ -6891,7 +6891,7 @@
               <a:t>/</a:t>
             </a:r>
             <a:r>
-              <a:rPr lang="en-US" altLang="zh-CN" sz="2000" dirty="0">
+              <a:rPr lang="en-US" altLang="zh-CN" sz="2800" dirty="0">
                 <a:solidFill>
                   <a:srgbClr val="000000"/>
                 </a:solidFill>
@@ -6904,7 +6904,7 @@
               <a:t>opt</a:t>
             </a:r>
             <a:r>
-              <a:rPr lang="en-US" altLang="zh-CN" sz="2000" b="1" dirty="0">
+              <a:rPr lang="en-US" altLang="zh-CN" sz="2800" b="1" dirty="0">
                 <a:solidFill>
                   <a:srgbClr val="000000"/>
                 </a:solidFill>
@@ -6917,7 +6917,7 @@
               <a:t>/</a:t>
             </a:r>
             <a:r>
-              <a:rPr lang="en-US" altLang="zh-CN" sz="2000" dirty="0">
+              <a:rPr lang="en-US" altLang="zh-CN" sz="2800" dirty="0">
                 <a:solidFill>
                   <a:srgbClr val="000000"/>
                 </a:solidFill>
@@ -6930,7 +6930,7 @@
               <a:t>julia-1.5.3</a:t>
             </a:r>
             <a:r>
-              <a:rPr lang="en-US" altLang="zh-CN" sz="2000" b="1" dirty="0">
+              <a:rPr lang="en-US" altLang="zh-CN" sz="2800" b="1" dirty="0">
                 <a:solidFill>
                   <a:srgbClr val="000000"/>
                 </a:solidFill>
@@ -6943,7 +6943,7 @@
               <a:t>/</a:t>
             </a:r>
             <a:r>
-              <a:rPr lang="en-US" altLang="zh-CN" sz="2000" dirty="0">
+              <a:rPr lang="en-US" altLang="zh-CN" sz="2800" dirty="0">
                 <a:solidFill>
                   <a:srgbClr val="000000"/>
                 </a:solidFill>
@@ -6956,7 +6956,7 @@
               <a:t>bin</a:t>
             </a:r>
             <a:r>
-              <a:rPr lang="en-US" altLang="zh-CN" sz="2000" b="1" dirty="0">
+              <a:rPr lang="en-US" altLang="zh-CN" sz="2800" b="1" dirty="0">
                 <a:solidFill>
                   <a:srgbClr val="000000"/>
                 </a:solidFill>
@@ -6969,7 +6969,7 @@
               <a:t>/</a:t>
             </a:r>
             <a:r>
-              <a:rPr lang="en-US" altLang="zh-CN" sz="2000" dirty="0" err="1">
+              <a:rPr lang="en-US" altLang="zh-CN" sz="2800" dirty="0" err="1">
                 <a:solidFill>
                   <a:srgbClr val="000000"/>
                 </a:solidFill>
@@ -6982,7 +6982,7 @@
               <a:t>julia</a:t>
             </a:r>
             <a:r>
-              <a:rPr lang="en-US" altLang="zh-CN" sz="2000" dirty="0">
+              <a:rPr lang="en-US" altLang="zh-CN" sz="2800" dirty="0">
                 <a:solidFill>
                   <a:srgbClr val="000000"/>
                 </a:solidFill>
@@ -6995,7 +6995,7 @@
               <a:t> </a:t>
             </a:r>
             <a:r>
-              <a:rPr lang="en-US" altLang="zh-CN" sz="2000" b="1" dirty="0">
+              <a:rPr lang="en-US" altLang="zh-CN" sz="2800" b="1" dirty="0">
                 <a:solidFill>
                   <a:srgbClr val="000000"/>
                 </a:solidFill>
@@ -7008,7 +7008,7 @@
               <a:t>/</a:t>
             </a:r>
             <a:r>
-              <a:rPr lang="en-US" altLang="zh-CN" sz="2000" dirty="0" err="1">
+              <a:rPr lang="en-US" altLang="zh-CN" sz="2800" dirty="0" err="1">
                 <a:solidFill>
                   <a:srgbClr val="000000"/>
                 </a:solidFill>
@@ -7021,7 +7021,7 @@
               <a:t>usr</a:t>
             </a:r>
             <a:r>
-              <a:rPr lang="en-US" altLang="zh-CN" sz="2000" b="1" dirty="0">
+              <a:rPr lang="en-US" altLang="zh-CN" sz="2800" b="1" dirty="0">
                 <a:solidFill>
                   <a:srgbClr val="000000"/>
                 </a:solidFill>
@@ -7034,7 +7034,7 @@
               <a:t>/</a:t>
             </a:r>
             <a:r>
-              <a:rPr lang="en-US" altLang="zh-CN" sz="2000" dirty="0">
+              <a:rPr lang="en-US" altLang="zh-CN" sz="2800" dirty="0">
                 <a:solidFill>
                   <a:srgbClr val="000000"/>
                 </a:solidFill>
@@ -7047,7 +7047,7 @@
               <a:t>local</a:t>
             </a:r>
             <a:r>
-              <a:rPr lang="en-US" altLang="zh-CN" sz="2000" b="1" dirty="0">
+              <a:rPr lang="en-US" altLang="zh-CN" sz="2800" b="1" dirty="0">
                 <a:solidFill>
                   <a:srgbClr val="000000"/>
                 </a:solidFill>
@@ -7060,7 +7060,7 @@
               <a:t>/</a:t>
             </a:r>
             <a:r>
-              <a:rPr lang="en-US" altLang="zh-CN" sz="2000" dirty="0">
+              <a:rPr lang="en-US" altLang="zh-CN" sz="2800" dirty="0">
                 <a:solidFill>
                   <a:srgbClr val="000000"/>
                 </a:solidFill>
@@ -7073,7 +7073,7 @@
               <a:t>bin</a:t>
             </a:r>
             <a:r>
-              <a:rPr lang="en-US" altLang="zh-CN" sz="2000" b="1" dirty="0">
+              <a:rPr lang="en-US" altLang="zh-CN" sz="2800" b="1" dirty="0">
                 <a:solidFill>
                   <a:srgbClr val="000000"/>
                 </a:solidFill>
@@ -7086,7 +7086,7 @@
               <a:t>/</a:t>
             </a:r>
             <a:r>
-              <a:rPr lang="en-US" altLang="zh-CN" sz="2000" dirty="0" err="1">
+              <a:rPr lang="en-US" altLang="zh-CN" sz="2800" dirty="0" err="1">
                 <a:solidFill>
                   <a:srgbClr val="000000"/>
                 </a:solidFill>
@@ -7098,7 +7098,7 @@
               </a:rPr>
               <a:t>julia</a:t>
             </a:r>
-            <a:endParaRPr lang="zh-CN" altLang="zh-CN" sz="2000" dirty="0">
+            <a:endParaRPr lang="zh-CN" altLang="zh-CN" sz="2800" dirty="0">
               <a:highlight>
                 <a:srgbClr val="C0C0C0"/>
               </a:highlight>
@@ -7199,7 +7199,7 @@
               </a:lnSpc>
             </a:pPr>
             <a:r>
-              <a:rPr lang="en-US" altLang="zh-CN" sz="2400" dirty="0">
+              <a:rPr lang="en-US" altLang="zh-CN" sz="3200" dirty="0">
                 <a:solidFill>
                   <a:srgbClr val="000000"/>
                 </a:solidFill>
@@ -7212,7 +7212,7 @@
               <a:t>$ </a:t>
             </a:r>
             <a:r>
-              <a:rPr lang="en-US" altLang="zh-CN" sz="2000" dirty="0" err="1">
+              <a:rPr lang="en-US" altLang="zh-CN" sz="2800" dirty="0" err="1">
                 <a:solidFill>
                   <a:srgbClr val="000000"/>
                 </a:solidFill>
@@ -7225,7 +7225,7 @@
               <a:t>julia</a:t>
             </a:r>
             <a:r>
-              <a:rPr lang="en-US" altLang="zh-CN" sz="2000" dirty="0">
+              <a:rPr lang="en-US" altLang="zh-CN" sz="2800" dirty="0">
                 <a:solidFill>
                   <a:srgbClr val="000000"/>
                 </a:solidFill>
@@ -7237,7 +7237,7 @@
               </a:rPr>
               <a:t> -version</a:t>
             </a:r>
-            <a:endParaRPr lang="zh-CN" altLang="zh-CN" sz="2000" dirty="0">
+            <a:endParaRPr lang="zh-CN" altLang="zh-CN" sz="2800" dirty="0">
               <a:highlight>
                 <a:srgbClr val="C0C0C0"/>
               </a:highlight>
@@ -7802,7 +7802,7 @@
         </p:blipFill>
         <p:spPr bwMode="auto">
           <a:xfrm>
-            <a:off x="4791096" y="4678327"/>
+            <a:off x="4791096" y="4653613"/>
             <a:ext cx="14113591" cy="8697430"/>
           </a:xfrm>
           <a:prstGeom prst="rect">
@@ -8124,8 +8124,8 @@
         </p:blipFill>
         <p:spPr>
           <a:xfrm>
-            <a:off x="4948124" y="1729121"/>
-            <a:ext cx="13216257" cy="11455252"/>
+            <a:off x="4423718" y="1480546"/>
+            <a:ext cx="13888995" cy="12038351"/>
           </a:xfrm>
           <a:prstGeom prst="rect">
             <a:avLst/>
